--- a/Data_mining_R/doc/Data Mining Project SOME OUEDRAOGO FIN.pptx
+++ b/Data_mining_R/doc/Data Mining Project SOME OUEDRAOGO FIN.pptx
@@ -12795,8 +12795,8 @@
         </p:blipFill>
         <p:spPr>
           <a:xfrm>
-            <a:off x="173343" y="2285763"/>
-            <a:ext cx="5815057" cy="3615863"/>
+            <a:off x="6236475" y="2441001"/>
+            <a:ext cx="5815050" cy="3615874"/>
           </a:xfrm>
           <a:prstGeom prst="rect">
             <a:avLst/>
@@ -12823,8 +12823,8 @@
         </p:blipFill>
         <p:spPr>
           <a:xfrm>
-            <a:off x="12238505" y="2349400"/>
-            <a:ext cx="5936696" cy="3615850"/>
+            <a:off x="12360150" y="2423493"/>
+            <a:ext cx="5815050" cy="3541757"/>
           </a:xfrm>
           <a:prstGeom prst="rect">
             <a:avLst/>
@@ -12951,8 +12951,8 @@
         </p:blipFill>
         <p:spPr>
           <a:xfrm>
-            <a:off x="6416075" y="2468300"/>
-            <a:ext cx="5540050" cy="3541750"/>
+            <a:off x="6157901" y="6438550"/>
+            <a:ext cx="5936699" cy="3541750"/>
           </a:xfrm>
           <a:prstGeom prst="rect">
             <a:avLst/>
@@ -12979,8 +12979,8 @@
         </p:blipFill>
         <p:spPr>
           <a:xfrm>
-            <a:off x="6289650" y="6408104"/>
-            <a:ext cx="5690501" cy="3208996"/>
+            <a:off x="398400" y="2460264"/>
+            <a:ext cx="5400826" cy="3472311"/>
           </a:xfrm>
           <a:prstGeom prst="rect">
             <a:avLst/>
@@ -13058,7 +13058,7 @@
         <p:spPr>
           <a:xfrm>
             <a:off x="200950" y="5985375"/>
-            <a:ext cx="9191700" cy="3155400"/>
+            <a:ext cx="9191700" cy="3617100"/>
           </a:xfrm>
           <a:prstGeom prst="rect">
             <a:avLst/>
@@ -13074,7 +13074,7 @@
           </a:bodyPr>
           <a:lstStyle/>
           <a:p>
-            <a:pPr indent="-387350" lvl="0" marL="457200" rtl="0" algn="just">
+            <a:pPr indent="-387350" lvl="0" marL="457200" marR="0" rtl="0" algn="l">
               <a:lnSpc>
                 <a:spcPct val="120000"/>
               </a:lnSpc>
@@ -13096,38 +13096,7 @@
                   <a:srgbClr val="FFFFFF"/>
                 </a:solidFill>
               </a:rPr>
-              <a:t>Les variables Balance, Age, et EstimatedSalary sont fortement corrélées avec la première dimension (Dim 1).</a:t>
-            </a:r>
-            <a:endParaRPr sz="2500">
-              <a:solidFill>
-                <a:srgbClr val="FFFFFF"/>
-              </a:solidFill>
-            </a:endParaRPr>
-          </a:p>
-          <a:p>
-            <a:pPr indent="-387350" lvl="0" marL="457200" rtl="0" algn="l">
-              <a:lnSpc>
-                <a:spcPct val="120000"/>
-              </a:lnSpc>
-              <a:spcBef>
-                <a:spcPts val="0"/>
-              </a:spcBef>
-              <a:spcAft>
-                <a:spcPts val="0"/>
-              </a:spcAft>
-              <a:buClr>
-                <a:srgbClr val="FFFFFF"/>
-              </a:buClr>
-              <a:buSzPts val="2500"/>
-              <a:buChar char="❖"/>
-            </a:pPr>
-            <a:r>
-              <a:rPr lang="en-US" sz="2500">
-                <a:solidFill>
-                  <a:srgbClr val="FFFFFF"/>
-                </a:solidFill>
-              </a:rPr>
-              <a:t>SatisfactionScore se distingue sur la deuxième dimension (Dim 2), représentant un aspect différent du comportement des clients.</a:t>
+              <a:t>Le graphe des variables montre que la dimension 1 est principalement influencée par le solde bancaire (Balance), tandis que la dimension 2 est plus liée à la satisfaction et à l'âge des clients. </a:t>
             </a:r>
             <a:endParaRPr sz="2500">
               <a:solidFill>
@@ -13158,7 +13127,38 @@
                   <a:srgbClr val="FFFFFF"/>
                 </a:solidFill>
               </a:rPr>
-              <a:t>CreditScore et Point.Earned contribuent modérément aux deux dimensions, capturant des variations distinctes.</a:t>
+              <a:t>Les autres variables ont une influence plus faible sur ces dimensions. </a:t>
+            </a:r>
+            <a:endParaRPr sz="2500">
+              <a:solidFill>
+                <a:srgbClr val="FFFFFF"/>
+              </a:solidFill>
+            </a:endParaRPr>
+          </a:p>
+          <a:p>
+            <a:pPr indent="-387350" lvl="0" marL="457200" marR="0" rtl="0" algn="l">
+              <a:lnSpc>
+                <a:spcPct val="120000"/>
+              </a:lnSpc>
+              <a:spcBef>
+                <a:spcPts val="0"/>
+              </a:spcBef>
+              <a:spcAft>
+                <a:spcPts val="0"/>
+              </a:spcAft>
+              <a:buClr>
+                <a:srgbClr val="FFFFFF"/>
+              </a:buClr>
+              <a:buSzPts val="2500"/>
+              <a:buChar char="❖"/>
+            </a:pPr>
+            <a:r>
+              <a:rPr lang="en-US" sz="2500">
+                <a:solidFill>
+                  <a:srgbClr val="FFFFFF"/>
+                </a:solidFill>
+              </a:rPr>
+              <a:t>Ces deux dimensions expliquent ensemble 33,5% de la variance totale.</a:t>
             </a:r>
             <a:endParaRPr sz="2500">
               <a:solidFill>
@@ -13281,8 +13281,8 @@
         </p:nvSpPr>
         <p:spPr>
           <a:xfrm>
-            <a:off x="9725950" y="6137775"/>
-            <a:ext cx="8289000" cy="3617100"/>
+            <a:off x="9725950" y="5832975"/>
+            <a:ext cx="8289000" cy="4079100"/>
           </a:xfrm>
           <a:prstGeom prst="rect">
             <a:avLst/>
@@ -13298,7 +13298,7 @@
           </a:bodyPr>
           <a:lstStyle/>
           <a:p>
-            <a:pPr indent="-387350" lvl="0" marL="457200" rtl="0" algn="just">
+            <a:pPr indent="-387350" lvl="0" marL="457200" marR="0" rtl="0" algn="just">
               <a:lnSpc>
                 <a:spcPct val="120000"/>
               </a:lnSpc>
@@ -13320,38 +13320,7 @@
                   <a:srgbClr val="FFFFFF"/>
                 </a:solidFill>
               </a:rPr>
-              <a:t>Les individus sont colorés selon leur solde (Balance), montrant que ceux avec un solde élevé sont situés vers la droite (Dim 1).</a:t>
-            </a:r>
-            <a:endParaRPr sz="2500">
-              <a:solidFill>
-                <a:srgbClr val="FFFFFF"/>
-              </a:solidFill>
-            </a:endParaRPr>
-          </a:p>
-          <a:p>
-            <a:pPr indent="-387350" lvl="0" marL="457200" rtl="0" algn="just">
-              <a:lnSpc>
-                <a:spcPct val="120000"/>
-              </a:lnSpc>
-              <a:spcBef>
-                <a:spcPts val="0"/>
-              </a:spcBef>
-              <a:spcAft>
-                <a:spcPts val="0"/>
-              </a:spcAft>
-              <a:buClr>
-                <a:srgbClr val="FFFFFF"/>
-              </a:buClr>
-              <a:buSzPts val="2500"/>
-              <a:buChar char="❖"/>
-            </a:pPr>
-            <a:r>
-              <a:rPr lang="en-US" sz="2500">
-                <a:solidFill>
-                  <a:srgbClr val="FFFFFF"/>
-                </a:solidFill>
-              </a:rPr>
-              <a:t>La distribution des individus est bien équilibrée, indiquant une bonne variabilité dans les données.</a:t>
+              <a:t>Le graphe montre la répartition des clients sur les deux premières dimensions de l'ACP, expliquant ensemble 33,59% de la variance totale. </a:t>
             </a:r>
             <a:endParaRPr sz="2500">
               <a:solidFill>
@@ -13382,7 +13351,38 @@
                   <a:srgbClr val="FFFFFF"/>
                 </a:solidFill>
               </a:rPr>
-              <a:t>Les individus marqués comme Complain.2 apparaissent principalement au centre du graphique, ce qui suggère un comportement modéré.</a:t>
+              <a:t>La dimension 1 semble principalement liée au solde bancaire (Balance), avec les clients à solde élevé regroupés à droite et ceux à solde faible à gauche. </a:t>
+            </a:r>
+            <a:endParaRPr sz="2500">
+              <a:solidFill>
+                <a:srgbClr val="FFFFFF"/>
+              </a:solidFill>
+            </a:endParaRPr>
+          </a:p>
+          <a:p>
+            <a:pPr indent="-387350" lvl="0" marL="457200" marR="0" rtl="0" algn="just">
+              <a:lnSpc>
+                <a:spcPct val="120000"/>
+              </a:lnSpc>
+              <a:spcBef>
+                <a:spcPts val="0"/>
+              </a:spcBef>
+              <a:spcAft>
+                <a:spcPts val="0"/>
+              </a:spcAft>
+              <a:buClr>
+                <a:srgbClr val="FFFFFF"/>
+              </a:buClr>
+              <a:buSzPts val="2500"/>
+              <a:buChar char="❖"/>
+            </a:pPr>
+            <a:r>
+              <a:rPr lang="en-US" sz="2500">
+                <a:solidFill>
+                  <a:srgbClr val="FFFFFF"/>
+                </a:solidFill>
+              </a:rPr>
+              <a:t>La variable Complain (Oui/Non) n'influence pas fortement la séparation des individus sur ces dimensions</a:t>
             </a:r>
             <a:endParaRPr sz="2500">
               <a:solidFill>
@@ -14470,7 +14470,23 @@
                   <a:srgbClr val="6CE5E8"/>
                 </a:solidFill>
               </a:rPr>
-              <a:t>Merci pour votre attention! </a:t>
+              <a:t>Merci pour votre </a:t>
+            </a:r>
+            <a:r>
+              <a:rPr lang="en-US" sz="2600">
+                <a:solidFill>
+                  <a:srgbClr val="6CE5E8"/>
+                </a:solidFill>
+              </a:rPr>
+              <a:t> </a:t>
+            </a:r>
+            <a:r>
+              <a:rPr lang="en-US" sz="2600">
+                <a:solidFill>
+                  <a:srgbClr val="6CE5E8"/>
+                </a:solidFill>
+              </a:rPr>
+              <a:t>attention! </a:t>
             </a:r>
             <a:endParaRPr sz="2600">
               <a:solidFill>
